--- a/static/intecon/meeting2/index.pptx
+++ b/static/intecon/meeting2/index.pptx
@@ -48,6 +48,7 @@
     <p:sldId id="296" r:id="rId42"/>
     <p:sldId id="297" r:id="rId43"/>
     <p:sldId id="298" r:id="rId44"/>
+    <p:sldId id="299" r:id="rId45"/>
   </p:sldIdLst>
   <p:sldSz cx="9144000" cy="5143500" type="screen16x9"/>
   <p:notesSz cx="6858000" cy="9144000"/>
@@ -4967,7 +4968,7 @@
                 <a:pPr lvl="0"/>
                 <a:r>
                   <a:rPr/>
-                  <a:t>Relative wage of food, 4/7, is smaller than opportunity cost of food,1/2.</a:t>
+                  <a:t>Relative wage of food, 4/7, is larger than opportunity cost of food,1/2.</a:t>
                 </a:r>
               </a:p>
               <a:p>
@@ -5324,6 +5325,524 @@
             </a:pPr>
             <a:r>
               <a:rPr/>
+              <a:t>Relative prices</a:t>
+            </a:r>
+          </a:p>
+        </p:txBody>
+      </p:sp>
+      <mc:AlternateContent xmlns:mc="http://schemas.openxmlformats.org/markup-compatibility/2006">
+        <mc:Choice xmlns:a14="http://schemas.microsoft.com/office/drawing/2010/main" Requires="a14">
+          <p:sp>
+            <p:nvSpPr>
+              <p:cNvPr id="3" name="Content Placeholder 2"/>
+              <p:cNvSpPr>
+                <a:spLocks noGrp="1"/>
+              </p:cNvSpPr>
+              <p:nvPr>
+                <p:ph idx="1"/>
+              </p:nvPr>
+            </p:nvSpPr>
+            <p:spPr/>
+            <p:txBody>
+              <a:bodyPr/>
+              <a:lstStyle/>
+              <a:p>
+                <a:pPr lvl="0"/>
+                <a:r>
+                  <a:rPr/>
+                  <a:t>Note that prices in closed economy depends on demand as well, which we don’t model here.</a:t>
+                </a:r>
+              </a:p>
+              <a:p>
+                <a:pPr lvl="0"/>
+                <a:r>
+                  <a:rPr/>
+                  <a:t>But the relative supply curve is a infinitely elastic:</a:t>
+                </a:r>
+              </a:p>
+              <a:p>
+                <a:pPr lvl="1"/>
+                <a14:m>
+                  <m:oMath xmlns:m="http://schemas.openxmlformats.org/officeDocument/2006/math">
+                    <m:f>
+                      <m:fPr>
+                        <m:type m:val="bar"/>
+                      </m:fPr>
+                      <m:num>
+                        <m:sSub>
+                          <m:e>
+                            <m:r>
+                              <m:t>Q</m:t>
+                            </m:r>
+                          </m:e>
+                          <m:sub>
+                            <m:r>
+                              <m:t>F</m:t>
+                            </m:r>
+                          </m:sub>
+                        </m:sSub>
+                      </m:num>
+                      <m:den>
+                        <m:sSub>
+                          <m:e>
+                            <m:r>
+                              <m:t>Q</m:t>
+                            </m:r>
+                          </m:e>
+                          <m:sub>
+                            <m:r>
+                              <m:t>S</m:t>
+                            </m:r>
+                          </m:sub>
+                        </m:sSub>
+                      </m:den>
+                    </m:f>
+                    <m:r>
+                      <m:rPr>
+                        <m:sty m:val="p"/>
+                      </m:rPr>
+                      <m:t>=</m:t>
+                    </m:r>
+                    <m:r>
+                      <m:t>0</m:t>
+                    </m:r>
+                  </m:oMath>
+                </a14:m>
+                <a:r>
+                  <a:rPr/>
+                  <a:t> for </a:t>
+                </a:r>
+                <a14:m>
+                  <m:oMath xmlns:m="http://schemas.openxmlformats.org/officeDocument/2006/math">
+                    <m:f>
+                      <m:fPr>
+                        <m:type m:val="bar"/>
+                      </m:fPr>
+                      <m:num>
+                        <m:sSub>
+                          <m:e>
+                            <m:r>
+                              <m:t>P</m:t>
+                            </m:r>
+                          </m:e>
+                          <m:sub>
+                            <m:r>
+                              <m:t>F</m:t>
+                            </m:r>
+                          </m:sub>
+                        </m:sSub>
+                      </m:num>
+                      <m:den>
+                        <m:sSub>
+                          <m:e>
+                            <m:r>
+                              <m:t>P</m:t>
+                            </m:r>
+                          </m:e>
+                          <m:sub>
+                            <m:r>
+                              <m:t>C</m:t>
+                            </m:r>
+                          </m:sub>
+                        </m:sSub>
+                      </m:den>
+                    </m:f>
+                    <m:r>
+                      <m:rPr>
+                        <m:sty m:val="p"/>
+                      </m:rPr>
+                      <m:t>&gt;</m:t>
+                    </m:r>
+                    <m:f>
+                      <m:fPr>
+                        <m:type m:val="bar"/>
+                      </m:fPr>
+                      <m:num>
+                        <m:sSub>
+                          <m:e>
+                            <m:r>
+                              <m:t>a</m:t>
+                            </m:r>
+                          </m:e>
+                          <m:sub>
+                            <m:r>
+                              <m:t>L</m:t>
+                            </m:r>
+                            <m:r>
+                              <m:t>F</m:t>
+                            </m:r>
+                          </m:sub>
+                        </m:sSub>
+                      </m:num>
+                      <m:den>
+                        <m:sSub>
+                          <m:e>
+                            <m:r>
+                              <m:t>a</m:t>
+                            </m:r>
+                          </m:e>
+                          <m:sub>
+                            <m:r>
+                              <m:t>L</m:t>
+                            </m:r>
+                            <m:r>
+                              <m:t>C</m:t>
+                            </m:r>
+                          </m:sub>
+                        </m:sSub>
+                      </m:den>
+                    </m:f>
+                  </m:oMath>
+                </a14:m>
+              </a:p>
+              <a:p>
+                <a:pPr lvl="1"/>
+                <a14:m>
+                  <m:oMath xmlns:m="http://schemas.openxmlformats.org/officeDocument/2006/math">
+                    <m:f>
+                      <m:fPr>
+                        <m:type m:val="bar"/>
+                      </m:fPr>
+                      <m:num>
+                        <m:sSub>
+                          <m:e>
+                            <m:r>
+                              <m:t>Q</m:t>
+                            </m:r>
+                          </m:e>
+                          <m:sub>
+                            <m:r>
+                              <m:t>F</m:t>
+                            </m:r>
+                          </m:sub>
+                        </m:sSub>
+                      </m:num>
+                      <m:den>
+                        <m:sSub>
+                          <m:e>
+                            <m:r>
+                              <m:t>Q</m:t>
+                            </m:r>
+                          </m:e>
+                          <m:sub>
+                            <m:r>
+                              <m:t>S</m:t>
+                            </m:r>
+                          </m:sub>
+                        </m:sSub>
+                      </m:den>
+                    </m:f>
+                    <m:r>
+                      <m:rPr>
+                        <m:sty m:val="p"/>
+                      </m:rPr>
+                      <m:t>∈</m:t>
+                    </m:r>
+                    <m:d>
+                      <m:dPr>
+                        <m:begChr m:val="("/>
+                        <m:endChr m:val=")"/>
+                        <m:sepChr m:val=""/>
+                        <m:grow/>
+                      </m:dPr>
+                      <m:e>
+                        <m:r>
+                          <m:t>0</m:t>
+                        </m:r>
+                        <m:r>
+                          <m:rPr>
+                            <m:sty m:val="p"/>
+                          </m:rPr>
+                          <m:t>,</m:t>
+                        </m:r>
+                        <m:r>
+                          <m:rPr>
+                            <m:sty m:val="p"/>
+                          </m:rPr>
+                          <m:t>∞</m:t>
+                        </m:r>
+                      </m:e>
+                    </m:d>
+                  </m:oMath>
+                </a14:m>
+                <a:r>
+                  <a:rPr/>
+                  <a:t> for </a:t>
+                </a:r>
+                <a14:m>
+                  <m:oMath xmlns:m="http://schemas.openxmlformats.org/officeDocument/2006/math">
+                    <m:f>
+                      <m:fPr>
+                        <m:type m:val="bar"/>
+                      </m:fPr>
+                      <m:num>
+                        <m:sSub>
+                          <m:e>
+                            <m:r>
+                              <m:t>P</m:t>
+                            </m:r>
+                          </m:e>
+                          <m:sub>
+                            <m:r>
+                              <m:t>F</m:t>
+                            </m:r>
+                          </m:sub>
+                        </m:sSub>
+                      </m:num>
+                      <m:den>
+                        <m:sSub>
+                          <m:e>
+                            <m:r>
+                              <m:t>P</m:t>
+                            </m:r>
+                          </m:e>
+                          <m:sub>
+                            <m:r>
+                              <m:t>C</m:t>
+                            </m:r>
+                          </m:sub>
+                        </m:sSub>
+                      </m:den>
+                    </m:f>
+                    <m:r>
+                      <m:rPr>
+                        <m:sty m:val="p"/>
+                      </m:rPr>
+                      <m:t>=</m:t>
+                    </m:r>
+                    <m:f>
+                      <m:fPr>
+                        <m:type m:val="bar"/>
+                      </m:fPr>
+                      <m:num>
+                        <m:sSub>
+                          <m:e>
+                            <m:r>
+                              <m:t>a</m:t>
+                            </m:r>
+                          </m:e>
+                          <m:sub>
+                            <m:r>
+                              <m:t>L</m:t>
+                            </m:r>
+                            <m:r>
+                              <m:t>F</m:t>
+                            </m:r>
+                          </m:sub>
+                        </m:sSub>
+                      </m:num>
+                      <m:den>
+                        <m:sSub>
+                          <m:e>
+                            <m:r>
+                              <m:t>a</m:t>
+                            </m:r>
+                          </m:e>
+                          <m:sub>
+                            <m:r>
+                              <m:t>L</m:t>
+                            </m:r>
+                            <m:r>
+                              <m:t>C</m:t>
+                            </m:r>
+                          </m:sub>
+                        </m:sSub>
+                      </m:den>
+                    </m:f>
+                  </m:oMath>
+                </a14:m>
+              </a:p>
+              <a:p>
+                <a:pPr lvl="1"/>
+                <a14:m>
+                  <m:oMath xmlns:m="http://schemas.openxmlformats.org/officeDocument/2006/math">
+                    <m:f>
+                      <m:fPr>
+                        <m:type m:val="bar"/>
+                      </m:fPr>
+                      <m:num>
+                        <m:sSub>
+                          <m:e>
+                            <m:r>
+                              <m:t>Q</m:t>
+                            </m:r>
+                          </m:e>
+                          <m:sub>
+                            <m:r>
+                              <m:t>F</m:t>
+                            </m:r>
+                          </m:sub>
+                        </m:sSub>
+                      </m:num>
+                      <m:den>
+                        <m:sSub>
+                          <m:e>
+                            <m:r>
+                              <m:t>Q</m:t>
+                            </m:r>
+                          </m:e>
+                          <m:sub>
+                            <m:r>
+                              <m:t>S</m:t>
+                            </m:r>
+                          </m:sub>
+                        </m:sSub>
+                      </m:den>
+                    </m:f>
+                    <m:r>
+                      <m:rPr>
+                        <m:sty m:val="p"/>
+                      </m:rPr>
+                      <m:t>=</m:t>
+                    </m:r>
+                    <m:r>
+                      <m:rPr>
+                        <m:sty m:val="p"/>
+                      </m:rPr>
+                      <m:t>∞</m:t>
+                    </m:r>
+                  </m:oMath>
+                </a14:m>
+                <a:r>
+                  <a:rPr/>
+                  <a:t> for </a:t>
+                </a:r>
+                <a14:m>
+                  <m:oMath xmlns:m="http://schemas.openxmlformats.org/officeDocument/2006/math">
+                    <m:f>
+                      <m:fPr>
+                        <m:type m:val="bar"/>
+                      </m:fPr>
+                      <m:num>
+                        <m:sSub>
+                          <m:e>
+                            <m:r>
+                              <m:t>P</m:t>
+                            </m:r>
+                          </m:e>
+                          <m:sub>
+                            <m:r>
+                              <m:t>F</m:t>
+                            </m:r>
+                          </m:sub>
+                        </m:sSub>
+                      </m:num>
+                      <m:den>
+                        <m:sSub>
+                          <m:e>
+                            <m:r>
+                              <m:t>P</m:t>
+                            </m:r>
+                          </m:e>
+                          <m:sub>
+                            <m:r>
+                              <m:t>C</m:t>
+                            </m:r>
+                          </m:sub>
+                        </m:sSub>
+                      </m:den>
+                    </m:f>
+                    <m:r>
+                      <m:rPr>
+                        <m:sty m:val="p"/>
+                      </m:rPr>
+                      <m:t>&lt;</m:t>
+                    </m:r>
+                    <m:f>
+                      <m:fPr>
+                        <m:type m:val="bar"/>
+                      </m:fPr>
+                      <m:num>
+                        <m:sSub>
+                          <m:e>
+                            <m:r>
+                              <m:t>a</m:t>
+                            </m:r>
+                          </m:e>
+                          <m:sub>
+                            <m:r>
+                              <m:t>L</m:t>
+                            </m:r>
+                            <m:r>
+                              <m:t>F</m:t>
+                            </m:r>
+                          </m:sub>
+                        </m:sSub>
+                      </m:num>
+                      <m:den>
+                        <m:sSub>
+                          <m:e>
+                            <m:r>
+                              <m:t>a</m:t>
+                            </m:r>
+                          </m:e>
+                          <m:sub>
+                            <m:r>
+                              <m:t>L</m:t>
+                            </m:r>
+                            <m:r>
+                              <m:t>C</m:t>
+                            </m:r>
+                          </m:sub>
+                        </m:sSub>
+                      </m:den>
+                    </m:f>
+                  </m:oMath>
+                </a14:m>
+              </a:p>
+              <a:p>
+                <a:pPr lvl="0"/>
+                <a:r>
+                  <a:rPr/>
+                  <a:t>In an autarky where both goods are desirable, the LTV must hold (hence, the second solution will always be the case).</a:t>
+                </a:r>
+              </a:p>
+            </p:txBody>
+          </p:sp>
+        </mc:Choice>
+      </mc:AlternateContent>
+    </p:spTree>
+  </p:cSld>
+</p:sld>
+</file>
+
+<file path=ppt/slides/slide19.xml><?xml version="1.0" encoding="utf-8"?>
+<p:sld xmlns:a="http://schemas.openxmlformats.org/drawingml/2006/main" xmlns:r="http://schemas.openxmlformats.org/officeDocument/2006/relationships" xmlns:p="http://schemas.openxmlformats.org/presentationml/2006/main">
+  <p:cSld>
+    <p:spTree>
+      <p:nvGrpSpPr>
+        <p:cNvPr id="1" name=""/>
+        <p:cNvGrpSpPr/>
+        <p:nvPr/>
+      </p:nvGrpSpPr>
+      <p:grpSpPr>
+        <a:xfrm>
+          <a:off x="0" y="0"/>
+          <a:ext cx="0" cy="0"/>
+          <a:chOff x="0" y="0"/>
+          <a:chExt cx="0" cy="0"/>
+        </a:xfrm>
+      </p:grpSpPr>
+      <p:sp>
+        <p:nvSpPr>
+          <p:cNvPr id="2" name="Title 1"/>
+          <p:cNvSpPr>
+            <a:spLocks noGrp="1"/>
+          </p:cNvSpPr>
+          <p:nvPr>
+            <p:ph type="title"/>
+          </p:nvPr>
+        </p:nvSpPr>
+        <p:spPr/>
+        <p:txBody>
+          <a:bodyPr/>
+          <a:lstStyle/>
+          <a:p>
+            <a:pPr lvl="0" indent="0" marL="0">
+              <a:buNone/>
+            </a:pPr>
+            <a:r>
+              <a:rPr/>
               <a:t>Trade in Ricardian</a:t>
             </a:r>
           </a:p>
@@ -5457,7 +5976,7 @@
                 <a:pPr lvl="0"/>
                 <a:r>
                   <a:rPr/>
-                  <a:t>Does that guarantee that Home should export cheese?</a:t>
+                  <a:t>Does that guarantee that Home should export food?</a:t>
                 </a:r>
               </a:p>
             </p:txBody>
@@ -5469,7 +5988,115 @@
 </p:sld>
 </file>
 
-<file path=ppt/slides/slide19.xml><?xml version="1.0" encoding="utf-8"?>
+<file path=ppt/slides/slide2.xml><?xml version="1.0" encoding="utf-8"?>
+<p:sld xmlns:a="http://schemas.openxmlformats.org/drawingml/2006/main" xmlns:r="http://schemas.openxmlformats.org/officeDocument/2006/relationships" xmlns:p="http://schemas.openxmlformats.org/presentationml/2006/main">
+  <p:cSld>
+    <p:spTree>
+      <p:nvGrpSpPr>
+        <p:cNvPr id="1" name=""/>
+        <p:cNvGrpSpPr/>
+        <p:nvPr/>
+      </p:nvGrpSpPr>
+      <p:grpSpPr>
+        <a:xfrm>
+          <a:off x="0" y="0"/>
+          <a:ext cx="0" cy="0"/>
+          <a:chOff x="0" y="0"/>
+          <a:chExt cx="0" cy="0"/>
+        </a:xfrm>
+      </p:grpSpPr>
+      <p:sp>
+        <p:nvSpPr>
+          <p:cNvPr id="2" name="Title 1"/>
+          <p:cNvSpPr>
+            <a:spLocks noGrp="1"/>
+          </p:cNvSpPr>
+          <p:nvPr>
+            <p:ph type="title"/>
+          </p:nvPr>
+        </p:nvSpPr>
+        <p:spPr/>
+        <p:txBody>
+          <a:bodyPr/>
+          <a:lstStyle/>
+          <a:p>
+            <a:pPr lvl="0" indent="0" marL="0">
+              <a:buNone/>
+            </a:pPr>
+            <a:r>
+              <a:rPr/>
+              <a:t>Reminder</a:t>
+            </a:r>
+          </a:p>
+        </p:txBody>
+      </p:sp>
+      <p:sp>
+        <p:nvSpPr>
+          <p:cNvPr id="3" name="Content Placeholder 2"/>
+          <p:cNvSpPr>
+            <a:spLocks noGrp="1"/>
+          </p:cNvSpPr>
+          <p:nvPr>
+            <p:ph idx="1"/>
+          </p:nvPr>
+        </p:nvSpPr>
+        <p:spPr/>
+        <p:txBody>
+          <a:bodyPr/>
+          <a:lstStyle/>
+          <a:p>
+            <a:pPr lvl="0"/>
+            <a:r>
+              <a:rPr/>
+              <a:t>Your lecturer pre-midterm is I Made Krisna aka </a:t>
+            </a:r>
+            <a:r>
+              <a:rPr>
+                <a:hlinkClick r:id="rId2"/>
+              </a:rPr>
+              <a:t>Imed</a:t>
+            </a:r>
+            <a:r>
+              <a:rPr/>
+              <a:t>.</a:t>
+            </a:r>
+          </a:p>
+          <a:p>
+            <a:pPr lvl="1"/>
+            <a:r>
+              <a:rPr/>
+              <a:t>contents are mostly to catch you up with trade theories.</a:t>
+            </a:r>
+          </a:p>
+          <a:p>
+            <a:pPr lvl="0"/>
+            <a:r>
+              <a:rPr/>
+              <a:t>Kiki Verico will handle post-midterm.</a:t>
+            </a:r>
+          </a:p>
+          <a:p>
+            <a:pPr lvl="0"/>
+            <a:r>
+              <a:rPr/>
+              <a:t>You’ll have biweekly assignments. Please do it as best as you can.</a:t>
+            </a:r>
+          </a:p>
+          <a:p>
+            <a:pPr lvl="0"/>
+            <a:r>
+              <a:rPr/>
+              <a:t>Everything is on EMAS (at least pre-midterm).</a:t>
+            </a:r>
+          </a:p>
+        </p:txBody>
+      </p:sp>
+    </p:spTree>
+  </p:cSld>
+</p:sld>
+</file>
+
+<file path=ppt/slides/slide20.xml><?xml version="1.0" encoding="utf-8"?>
 <p:sld xmlns:a="http://schemas.openxmlformats.org/drawingml/2006/main" xmlns:r="http://schemas.openxmlformats.org/officeDocument/2006/relationships" xmlns:p="http://schemas.openxmlformats.org/presentationml/2006/main">
   <p:cSld>
     <p:spTree>
@@ -5678,115 +6305,7 @@
 </p:sld>
 </file>
 
-<file path=ppt/slides/slide2.xml><?xml version="1.0" encoding="utf-8"?>
-<p:sld xmlns:a="http://schemas.openxmlformats.org/drawingml/2006/main" xmlns:r="http://schemas.openxmlformats.org/officeDocument/2006/relationships" xmlns:p="http://schemas.openxmlformats.org/presentationml/2006/main">
-  <p:cSld>
-    <p:spTree>
-      <p:nvGrpSpPr>
-        <p:cNvPr id="1" name=""/>
-        <p:cNvGrpSpPr/>
-        <p:nvPr/>
-      </p:nvGrpSpPr>
-      <p:grpSpPr>
-        <a:xfrm>
-          <a:off x="0" y="0"/>
-          <a:ext cx="0" cy="0"/>
-          <a:chOff x="0" y="0"/>
-          <a:chExt cx="0" cy="0"/>
-        </a:xfrm>
-      </p:grpSpPr>
-      <p:sp>
-        <p:nvSpPr>
-          <p:cNvPr id="2" name="Title 1"/>
-          <p:cNvSpPr>
-            <a:spLocks noGrp="1"/>
-          </p:cNvSpPr>
-          <p:nvPr>
-            <p:ph type="title"/>
-          </p:nvPr>
-        </p:nvSpPr>
-        <p:spPr/>
-        <p:txBody>
-          <a:bodyPr/>
-          <a:lstStyle/>
-          <a:p>
-            <a:pPr lvl="0" indent="0" marL="0">
-              <a:buNone/>
-            </a:pPr>
-            <a:r>
-              <a:rPr/>
-              <a:t>Reminder</a:t>
-            </a:r>
-          </a:p>
-        </p:txBody>
-      </p:sp>
-      <p:sp>
-        <p:nvSpPr>
-          <p:cNvPr id="3" name="Content Placeholder 2"/>
-          <p:cNvSpPr>
-            <a:spLocks noGrp="1"/>
-          </p:cNvSpPr>
-          <p:nvPr>
-            <p:ph idx="1"/>
-          </p:nvPr>
-        </p:nvSpPr>
-        <p:spPr/>
-        <p:txBody>
-          <a:bodyPr/>
-          <a:lstStyle/>
-          <a:p>
-            <a:pPr lvl="0"/>
-            <a:r>
-              <a:rPr/>
-              <a:t>Your lecturer pre-midterm is I Made Krisna aka </a:t>
-            </a:r>
-            <a:r>
-              <a:rPr>
-                <a:hlinkClick r:id="rId2"/>
-              </a:rPr>
-              <a:t>Imed</a:t>
-            </a:r>
-            <a:r>
-              <a:rPr/>
-              <a:t>.</a:t>
-            </a:r>
-          </a:p>
-          <a:p>
-            <a:pPr lvl="1"/>
-            <a:r>
-              <a:rPr/>
-              <a:t>contents are mostly to catch you up with trade theories.</a:t>
-            </a:r>
-          </a:p>
-          <a:p>
-            <a:pPr lvl="0"/>
-            <a:r>
-              <a:rPr/>
-              <a:t>Kiki Verico will handle post-midterm.</a:t>
-            </a:r>
-          </a:p>
-          <a:p>
-            <a:pPr lvl="0"/>
-            <a:r>
-              <a:rPr/>
-              <a:t>You’ll have biweekly assignments. Please do it as best as you can.</a:t>
-            </a:r>
-          </a:p>
-          <a:p>
-            <a:pPr lvl="0"/>
-            <a:r>
-              <a:rPr/>
-              <a:t>Everything is on EMAS (at least pre-midterm).</a:t>
-            </a:r>
-          </a:p>
-        </p:txBody>
-      </p:sp>
-    </p:spTree>
-  </p:cSld>
-</p:sld>
-</file>
-
-<file path=ppt/slides/slide20.xml><?xml version="1.0" encoding="utf-8"?>
+<file path=ppt/slides/slide21.xml><?xml version="1.0" encoding="utf-8"?>
 <p:sld xmlns:a="http://schemas.openxmlformats.org/drawingml/2006/main" xmlns:r="http://schemas.openxmlformats.org/officeDocument/2006/relationships" xmlns:p="http://schemas.openxmlformats.org/presentationml/2006/main">
   <p:cSld>
     <p:spTree>
@@ -6193,7 +6712,7 @@
 </p:sld>
 </file>
 
-<file path=ppt/slides/slide21.xml><?xml version="1.0" encoding="utf-8"?>
+<file path=ppt/slides/slide22.xml><?xml version="1.0" encoding="utf-8"?>
 <p:sld xmlns:a="http://schemas.openxmlformats.org/drawingml/2006/main" xmlns:r="http://schemas.openxmlformats.org/officeDocument/2006/relationships" xmlns:p="http://schemas.openxmlformats.org/presentationml/2006/main">
   <p:cSld>
     <p:spTree>
@@ -6449,7 +6968,7 @@
 </p:sld>
 </file>
 
-<file path=ppt/slides/slide22.xml><?xml version="1.0" encoding="utf-8"?>
+<file path=ppt/slides/slide23.xml><?xml version="1.0" encoding="utf-8"?>
 <p:sld xmlns:a="http://schemas.openxmlformats.org/drawingml/2006/main" xmlns:r="http://schemas.openxmlformats.org/officeDocument/2006/relationships" xmlns:p="http://schemas.openxmlformats.org/presentationml/2006/main">
   <p:cSld>
     <p:spTree>
@@ -6540,7 +7059,7 @@
 </p:sld>
 </file>
 
-<file path=ppt/slides/slide23.xml><?xml version="1.0" encoding="utf-8"?>
+<file path=ppt/slides/slide24.xml><?xml version="1.0" encoding="utf-8"?>
 <p:sld xmlns:a="http://schemas.openxmlformats.org/drawingml/2006/main" xmlns:r="http://schemas.openxmlformats.org/officeDocument/2006/relationships" xmlns:p="http://schemas.openxmlformats.org/presentationml/2006/main">
   <p:cSld>
     <p:spTree>
@@ -7412,10 +7931,10 @@
 </p:sld>
 </file>
 
-<file path=ppt/slides/slide24.xml><?xml version="1.0" encoding="UTF-8"?><p:sld xmlns:a="http://schemas.openxmlformats.org/drawingml/2006/main" xmlns:r="http://schemas.openxmlformats.org/officeDocument/2006/relationships" xmlns:p="http://schemas.openxmlformats.org/presentationml/2006/main"><p:cSld><p:spTree><p:nvGrpSpPr><p:cNvPr id="1" name="" /><p:cNvGrpSpPr /><p:nvPr /></p:nvGrpSpPr><p:grpSpPr><a:xfrm><a:off x="0" y="0" /><a:ext cx="0" cy="0" /><a:chOff x="0" y="0" /><a:chExt cx="0" cy="0" /></a:xfrm></p:grpSpPr><p:sp><p:nvSpPr><p:cNvPr id="2" name="Title 1" /><p:cNvSpPr><a:spLocks noGrp="1" /></p:cNvSpPr><p:nvPr><p:ph type="title" /></p:nvPr></p:nvSpPr><p:spPr /><p:txBody><a:bodyPr /><a:lstStyle /><a:p><a:pPr lvl="0" indent="0" marL="0"><a:buNone /></a:pPr><a:r><a:rPr /><a:t>Example</a:t></a:r></a:p></p:txBody></p:sp><p:graphicFrame><p:nvGraphicFramePr><p:cNvPr id="6" name="Content Placeholder 5" /><p:cNvGraphicFramePr><a:graphicFrameLocks noGrp="1" /></p:cNvGraphicFramePr><p:nvPr><p:ph idx="1" /></p:nvPr></p:nvGraphicFramePr><p:xfrm><a:off x="457200" y="1193800" /><a:ext cx="8229600" cy="3390900" /></p:xfrm><a:graphic><a:graphicData uri="http://schemas.openxmlformats.org/drawingml/2006/table"><a:tbl><a:tblPr firstRow="1" bandRow="1"><a:tableStyleId>{5C22544A-7EE6-4342-B048-85BDC9FD1C3A}</a:tableStyleId></a:tblPr><a:tblGrid><a:gridCol w="2743200" /><a:gridCol w="2743200" /><a:gridCol w="2743200" /></a:tblGrid><a:tr h="0"><a:tc><a:txBody><a:bodyPr /><a:lstStyle /><a:p><a:pPr lvl="0" indent="0" marL="0"><a:buNone /></a:pPr><a:r><a:rPr /><a:t>a</a:t></a:r></a:p></a:txBody><a:tcPr /></a:tc><a:tc><a:txBody><a:bodyPr /><a:lstStyle /><a:p><a:pPr lvl="0" indent="0" marL="0"><a:buNone /></a:pPr><a:r><a:rPr /><a:t>Food</a:t></a:r></a:p></a:txBody><a:tcPr /></a:tc><a:tc><a:txBody><a:bodyPr /><a:lstStyle /><a:p><a:pPr lvl="0" indent="0" marL="0"><a:buNone /></a:pPr><a:r><a:rPr /><a:t>Cloth</a:t></a:r></a:p></a:txBody><a:tcPr /></a:tc></a:tr><a:tr h="0"><a:tc><a:txBody><a:bodyPr /><a:lstStyle /><a:p><a:pPr lvl="0" indent="0" marL="0"><a:buNone /></a:pPr><a:r><a:rPr /><a:t>Home</a:t></a:r></a:p></a:txBody></a:tc><a:tc><a:txBody><a:bodyPr /><a:lstStyle /><a:p><a:pPr lvl="0" indent="0" marL="0"><a:buNone /></a:pPr><a14:m><m:oMath xmlns:m="http://schemas.openxmlformats.org/officeDocument/2006/math"><m:sSub><m:e><m:r><m:t>a</m:t></m:r></m:e><m:sub><m:r><m:t>L</m:t></m:r><m:r><m:t>F</m:t></m:r></m:sub></m:sSub><m:r><m:rPr><m:sty m:val="p" /></m:rPr><m:t>=</m:t></m:r><m:r><m:t>1</m:t></m:r></m:oMath></a14:m></a:p></a:txBody></a:tc><a:tc><a:txBody><a:bodyPr /><a:lstStyle /><a:p><a:pPr lvl="0" indent="0" marL="0"><a:buNone /></a:pPr><a14:m><m:oMath xmlns:m="http://schemas.openxmlformats.org/officeDocument/2006/math"><m:sSub><m:e><m:r><m:t>a</m:t></m:r></m:e><m:sub><m:r><m:t>L</m:t></m:r><m:r><m:t>C</m:t></m:r></m:sub></m:sSub><m:r><m:rPr><m:sty m:val="p" /></m:rPr><m:t>=</m:t></m:r><m:r><m:t>2</m:t></m:r></m:oMath></a14:m></a:p></a:txBody></a:tc></a:tr><a:tr h="0"><a:tc><a:txBody><a:bodyPr /><a:lstStyle /><a:p><a:pPr lvl="0" indent="0" marL="0"><a:buNone /></a:pPr><a:r><a:rPr /><a:t>Foreign</a:t></a:r></a:p></a:txBody></a:tc><a:tc><a:txBody><a:bodyPr /><a:lstStyle /><a:p><a:pPr lvl="0" indent="0" marL="0"><a:buNone /></a:pPr><a14:m><m:oMath xmlns:m="http://schemas.openxmlformats.org/officeDocument/2006/math"><m:sSub><m:e><m:r><m:t>a</m:t></m:r></m:e><m:sub><m:r><m:t>L</m:t></m:r><m:r><m:t>F</m:t></m:r></m:sub></m:sSub><m:r><m:rPr><m:sty m:val="p" /></m:rPr><m:t>=</m:t></m:r><m:r><m:t>6</m:t></m:r></m:oMath></a14:m></a:p></a:txBody></a:tc><a:tc><a:txBody><a:bodyPr /><a:lstStyle /><a:p><a:pPr lvl="0" indent="0" marL="0"><a:buNone /></a:pPr><a14:m><m:oMath xmlns:m="http://schemas.openxmlformats.org/officeDocument/2006/math"><m:sSub><m:e><m:r><m:t>a</m:t></m:r></m:e><m:sub><m:r><m:t>L</m:t></m:r><m:r><m:t>C</m:t></m:r></m:sub></m:sSub><m:r><m:rPr><m:sty m:val="p" /></m:rPr><m:t>=</m:t></m:r><m:r><m:t>3</m:t></m:r></m:oMath></a14:m></a:p></a:txBody></a:tc></a:tr><a:tr h="0"><a:tc><a:txBody><a:bodyPr /><a:lstStyle /><a:p><a:pPr lvl="0" indent="0" marL="0"><a:buNone /></a:pPr><a:r><a:rPr /><a:t>L</a:t></a:r></a:p></a:txBody></a:tc><a:tc><a:txBody><a:bodyPr /><a:lstStyle /><a:p><a:pPr lvl="0" indent="0" marL="0"><a:buNone /></a:pPr><a:r><a:rPr /><a:t>1000</a:t></a:r></a:p></a:txBody></a:tc><a:tc><a:txBody><a:bodyPr /><a:lstStyle /><a:p><a:pPr lvl="0" indent="0" marL="0"><a:buNone /></a:pPr><a:r><a:rPr /><a:t>3000</a:t></a:r></a:p></a:txBody></a:tc></a:tr></a:tbl></a:graphicData></a:graphic></p:graphicFrame></p:spTree></p:cSld></p:sld>
+<file path=ppt/slides/slide25.xml><?xml version="1.0" encoding="UTF-8"?><p:sld xmlns:a="http://schemas.openxmlformats.org/drawingml/2006/main" xmlns:r="http://schemas.openxmlformats.org/officeDocument/2006/relationships" xmlns:p="http://schemas.openxmlformats.org/presentationml/2006/main"><p:cSld><p:spTree><p:nvGrpSpPr><p:cNvPr id="1" name="" /><p:cNvGrpSpPr /><p:nvPr /></p:nvGrpSpPr><p:grpSpPr><a:xfrm><a:off x="0" y="0" /><a:ext cx="0" cy="0" /><a:chOff x="0" y="0" /><a:chExt cx="0" cy="0" /></a:xfrm></p:grpSpPr><p:sp><p:nvSpPr><p:cNvPr id="2" name="Title 1" /><p:cNvSpPr><a:spLocks noGrp="1" /></p:cNvSpPr><p:nvPr><p:ph type="title" /></p:nvPr></p:nvSpPr><p:spPr /><p:txBody><a:bodyPr /><a:lstStyle /><a:p><a:pPr lvl="0" indent="0" marL="0"><a:buNone /></a:pPr><a:r><a:rPr /><a:t>Example</a:t></a:r></a:p></p:txBody></p:sp><p:graphicFrame><p:nvGraphicFramePr><p:cNvPr id="6" name="Content Placeholder 5" /><p:cNvGraphicFramePr><a:graphicFrameLocks noGrp="1" /></p:cNvGraphicFramePr><p:nvPr><p:ph idx="1" /></p:nvPr></p:nvGraphicFramePr><p:xfrm><a:off x="457200" y="1193800" /><a:ext cx="8229600" cy="3390900" /></p:xfrm><a:graphic><a:graphicData uri="http://schemas.openxmlformats.org/drawingml/2006/table"><a:tbl><a:tblPr firstRow="1" bandRow="1"><a:tableStyleId>{5C22544A-7EE6-4342-B048-85BDC9FD1C3A}</a:tableStyleId></a:tblPr><a:tblGrid><a:gridCol w="2743200" /><a:gridCol w="2743200" /><a:gridCol w="2743200" /></a:tblGrid><a:tr h="0"><a:tc><a:txBody><a:bodyPr /><a:lstStyle /><a:p><a:pPr lvl="0" indent="0" marL="0"><a:buNone /></a:pPr><a:r><a:rPr /><a:t>a</a:t></a:r></a:p></a:txBody><a:tcPr /></a:tc><a:tc><a:txBody><a:bodyPr /><a:lstStyle /><a:p><a:pPr lvl="0" indent="0" marL="0"><a:buNone /></a:pPr><a:r><a:rPr /><a:t>Food</a:t></a:r></a:p></a:txBody><a:tcPr /></a:tc><a:tc><a:txBody><a:bodyPr /><a:lstStyle /><a:p><a:pPr lvl="0" indent="0" marL="0"><a:buNone /></a:pPr><a:r><a:rPr /><a:t>Cloth</a:t></a:r></a:p></a:txBody><a:tcPr /></a:tc></a:tr><a:tr h="0"><a:tc><a:txBody><a:bodyPr /><a:lstStyle /><a:p><a:pPr lvl="0" indent="0" marL="0"><a:buNone /></a:pPr><a:r><a:rPr /><a:t>Home</a:t></a:r></a:p></a:txBody></a:tc><a:tc><a:txBody><a:bodyPr /><a:lstStyle /><a:p><a:pPr lvl="0" indent="0" marL="0"><a:buNone /></a:pPr><a14:m><m:oMath xmlns:m="http://schemas.openxmlformats.org/officeDocument/2006/math"><m:sSub><m:e><m:r><m:t>a</m:t></m:r></m:e><m:sub><m:r><m:t>L</m:t></m:r><m:r><m:t>F</m:t></m:r></m:sub></m:sSub><m:r><m:rPr><m:sty m:val="p" /></m:rPr><m:t>=</m:t></m:r><m:r><m:t>1</m:t></m:r></m:oMath></a14:m></a:p></a:txBody></a:tc><a:tc><a:txBody><a:bodyPr /><a:lstStyle /><a:p><a:pPr lvl="0" indent="0" marL="0"><a:buNone /></a:pPr><a14:m><m:oMath xmlns:m="http://schemas.openxmlformats.org/officeDocument/2006/math"><m:sSub><m:e><m:r><m:t>a</m:t></m:r></m:e><m:sub><m:r><m:t>L</m:t></m:r><m:r><m:t>C</m:t></m:r></m:sub></m:sSub><m:r><m:rPr><m:sty m:val="p" /></m:rPr><m:t>=</m:t></m:r><m:r><m:t>2</m:t></m:r></m:oMath></a14:m></a:p></a:txBody></a:tc></a:tr><a:tr h="0"><a:tc><a:txBody><a:bodyPr /><a:lstStyle /><a:p><a:pPr lvl="0" indent="0" marL="0"><a:buNone /></a:pPr><a:r><a:rPr /><a:t>Foreign</a:t></a:r></a:p></a:txBody></a:tc><a:tc><a:txBody><a:bodyPr /><a:lstStyle /><a:p><a:pPr lvl="0" indent="0" marL="0"><a:buNone /></a:pPr><a14:m><m:oMath xmlns:m="http://schemas.openxmlformats.org/officeDocument/2006/math"><m:sSub><m:e><m:r><m:t>a</m:t></m:r></m:e><m:sub><m:r><m:t>L</m:t></m:r><m:r><m:t>F</m:t></m:r></m:sub></m:sSub><m:r><m:rPr><m:sty m:val="p" /></m:rPr><m:t>=</m:t></m:r><m:r><m:t>6</m:t></m:r></m:oMath></a14:m></a:p></a:txBody></a:tc><a:tc><a:txBody><a:bodyPr /><a:lstStyle /><a:p><a:pPr lvl="0" indent="0" marL="0"><a:buNone /></a:pPr><a14:m><m:oMath xmlns:m="http://schemas.openxmlformats.org/officeDocument/2006/math"><m:sSub><m:e><m:r><m:t>a</m:t></m:r></m:e><m:sub><m:r><m:t>L</m:t></m:r><m:r><m:t>C</m:t></m:r></m:sub></m:sSub><m:r><m:rPr><m:sty m:val="p" /></m:rPr><m:t>=</m:t></m:r><m:r><m:t>3</m:t></m:r></m:oMath></a14:m></a:p></a:txBody></a:tc></a:tr><a:tr h="0"><a:tc><a:txBody><a:bodyPr /><a:lstStyle /><a:p><a:pPr lvl="0" indent="0" marL="0"><a:buNone /></a:pPr><a:r><a:rPr /><a:t>L</a:t></a:r></a:p></a:txBody></a:tc><a:tc><a:txBody><a:bodyPr /><a:lstStyle /><a:p><a:pPr lvl="0" indent="0" marL="0"><a:buNone /></a:pPr><a:r><a:rPr /><a:t>1000</a:t></a:r></a:p></a:txBody></a:tc><a:tc><a:txBody><a:bodyPr /><a:lstStyle /><a:p><a:pPr lvl="0" indent="0" marL="0"><a:buNone /></a:pPr><a:r><a:rPr /><a:t>3000</a:t></a:r></a:p></a:txBody></a:tc></a:tr></a:tbl></a:graphicData></a:graphic></p:graphicFrame></p:spTree></p:cSld></p:sld>
 </file>
 
-<file path=ppt/slides/slide25.xml><?xml version="1.0" encoding="utf-8"?>
+<file path=ppt/slides/slide26.xml><?xml version="1.0" encoding="utf-8"?>
 <p:sld xmlns:a="http://schemas.openxmlformats.org/drawingml/2006/main" xmlns:r="http://schemas.openxmlformats.org/officeDocument/2006/relationships" xmlns:p="http://schemas.openxmlformats.org/presentationml/2006/main">
   <p:cSld>
     <p:spTree>
@@ -7792,7 +8311,7 @@
 </p:sld>
 </file>
 
-<file path=ppt/slides/slide26.xml><?xml version="1.0" encoding="utf-8"?>
+<file path=ppt/slides/slide27.xml><?xml version="1.0" encoding="utf-8"?>
 <p:sld xmlns:a="http://schemas.openxmlformats.org/drawingml/2006/main" xmlns:r="http://schemas.openxmlformats.org/officeDocument/2006/relationships" xmlns:p="http://schemas.openxmlformats.org/presentationml/2006/main">
   <p:cSld>
     <p:spTree>
@@ -8012,7 +8531,7 @@
 </p:sld>
 </file>
 
-<file path=ppt/slides/slide27.xml><?xml version="1.0" encoding="utf-8"?>
+<file path=ppt/slides/slide28.xml><?xml version="1.0" encoding="utf-8"?>
 <p:sld xmlns:a="http://schemas.openxmlformats.org/drawingml/2006/main" xmlns:r="http://schemas.openxmlformats.org/officeDocument/2006/relationships" xmlns:p="http://schemas.openxmlformats.org/presentationml/2006/main">
   <p:cSld>
     <p:spTree>
@@ -8064,7 +8583,7 @@
 </p:sld>
 </file>
 
-<file path=ppt/slides/slide28.xml><?xml version="1.0" encoding="utf-8"?>
+<file path=ppt/slides/slide29.xml><?xml version="1.0" encoding="utf-8"?>
 <p:sld xmlns:a="http://schemas.openxmlformats.org/drawingml/2006/main" xmlns:r="http://schemas.openxmlformats.org/officeDocument/2006/relationships" xmlns:p="http://schemas.openxmlformats.org/presentationml/2006/main">
   <p:cSld>
     <p:spTree>
@@ -8250,7 +8769,100 @@
 </p:sld>
 </file>
 
-<file path=ppt/slides/slide29.xml><?xml version="1.0" encoding="utf-8"?>
+<file path=ppt/slides/slide3.xml><?xml version="1.0" encoding="utf-8"?>
+<p:sld xmlns:a="http://schemas.openxmlformats.org/drawingml/2006/main" xmlns:r="http://schemas.openxmlformats.org/officeDocument/2006/relationships" xmlns:p="http://schemas.openxmlformats.org/presentationml/2006/main">
+  <p:cSld>
+    <p:spTree>
+      <p:nvGrpSpPr>
+        <p:cNvPr id="1" name=""/>
+        <p:cNvGrpSpPr/>
+        <p:nvPr/>
+      </p:nvGrpSpPr>
+      <p:grpSpPr>
+        <a:xfrm>
+          <a:off x="0" y="0"/>
+          <a:ext cx="0" cy="0"/>
+          <a:chOff x="0" y="0"/>
+          <a:chExt cx="0" cy="0"/>
+        </a:xfrm>
+      </p:grpSpPr>
+      <p:sp>
+        <p:nvSpPr>
+          <p:cNvPr id="2" name="Title 1"/>
+          <p:cNvSpPr>
+            <a:spLocks noGrp="1"/>
+          </p:cNvSpPr>
+          <p:nvPr>
+            <p:ph type="title"/>
+          </p:nvPr>
+        </p:nvSpPr>
+        <p:spPr/>
+        <p:txBody>
+          <a:bodyPr/>
+          <a:lstStyle/>
+          <a:p>
+            <a:pPr lvl="0" indent="0" marL="0">
+              <a:buNone/>
+            </a:pPr>
+            <a:r>
+              <a:rPr/>
+              <a:t>Learning outcomes</a:t>
+            </a:r>
+          </a:p>
+        </p:txBody>
+      </p:sp>
+      <p:sp>
+        <p:nvSpPr>
+          <p:cNvPr id="3" name="Content Placeholder 2"/>
+          <p:cNvSpPr>
+            <a:spLocks noGrp="1"/>
+          </p:cNvSpPr>
+          <p:nvPr>
+            <p:ph idx="1"/>
+          </p:nvPr>
+        </p:nvSpPr>
+        <p:spPr/>
+        <p:txBody>
+          <a:bodyPr/>
+          <a:lstStyle/>
+          <a:p>
+            <a:pPr lvl="0"/>
+            <a:r>
+              <a:rPr/>
+              <a:t>Last week you’ve learned the new challenges in globalization &amp; Indonesia’s trade pattern.</a:t>
+            </a:r>
+          </a:p>
+          <a:p>
+            <a:pPr lvl="0" indent="0" marL="0">
+              <a:buNone/>
+            </a:pPr>
+            <a:r>
+              <a:rPr/>
+              <a:t>Today we learn Ricardian model of trade (aka comparative advantage) so:</a:t>
+            </a:r>
+          </a:p>
+          <a:p>
+            <a:pPr lvl="0"/>
+            <a:r>
+              <a:rPr/>
+              <a:t>you can explain how the model works</a:t>
+            </a:r>
+          </a:p>
+          <a:p>
+            <a:pPr lvl="0"/>
+            <a:r>
+              <a:rPr/>
+              <a:t>show where gains from trade come from</a:t>
+            </a:r>
+          </a:p>
+        </p:txBody>
+      </p:sp>
+    </p:spTree>
+  </p:cSld>
+</p:sld>
+</file>
+
+<file path=ppt/slides/slide30.xml><?xml version="1.0" encoding="utf-8"?>
 <p:sld xmlns:a="http://schemas.openxmlformats.org/drawingml/2006/main" xmlns:r="http://schemas.openxmlformats.org/officeDocument/2006/relationships" xmlns:p="http://schemas.openxmlformats.org/presentationml/2006/main">
   <p:cSld>
     <p:spTree>
@@ -8444,190 +9056,6 @@
 </p:sld>
 </file>
 
-<file path=ppt/slides/slide3.xml><?xml version="1.0" encoding="utf-8"?>
-<p:sld xmlns:a="http://schemas.openxmlformats.org/drawingml/2006/main" xmlns:r="http://schemas.openxmlformats.org/officeDocument/2006/relationships" xmlns:p="http://schemas.openxmlformats.org/presentationml/2006/main">
-  <p:cSld>
-    <p:spTree>
-      <p:nvGrpSpPr>
-        <p:cNvPr id="1" name=""/>
-        <p:cNvGrpSpPr/>
-        <p:nvPr/>
-      </p:nvGrpSpPr>
-      <p:grpSpPr>
-        <a:xfrm>
-          <a:off x="0" y="0"/>
-          <a:ext cx="0" cy="0"/>
-          <a:chOff x="0" y="0"/>
-          <a:chExt cx="0" cy="0"/>
-        </a:xfrm>
-      </p:grpSpPr>
-      <p:sp>
-        <p:nvSpPr>
-          <p:cNvPr id="2" name="Title 1"/>
-          <p:cNvSpPr>
-            <a:spLocks noGrp="1"/>
-          </p:cNvSpPr>
-          <p:nvPr>
-            <p:ph type="title"/>
-          </p:nvPr>
-        </p:nvSpPr>
-        <p:spPr/>
-        <p:txBody>
-          <a:bodyPr/>
-          <a:lstStyle/>
-          <a:p>
-            <a:pPr lvl="0" indent="0" marL="0">
-              <a:buNone/>
-            </a:pPr>
-            <a:r>
-              <a:rPr/>
-              <a:t>Learning outcomes</a:t>
-            </a:r>
-          </a:p>
-        </p:txBody>
-      </p:sp>
-      <p:sp>
-        <p:nvSpPr>
-          <p:cNvPr id="3" name="Content Placeholder 2"/>
-          <p:cNvSpPr>
-            <a:spLocks noGrp="1"/>
-          </p:cNvSpPr>
-          <p:nvPr>
-            <p:ph idx="1"/>
-          </p:nvPr>
-        </p:nvSpPr>
-        <p:spPr/>
-        <p:txBody>
-          <a:bodyPr/>
-          <a:lstStyle/>
-          <a:p>
-            <a:pPr lvl="0"/>
-            <a:r>
-              <a:rPr/>
-              <a:t>Last week you’ve learned the new challenges in globalization &amp; Indonesia’s trade pattern.</a:t>
-            </a:r>
-          </a:p>
-          <a:p>
-            <a:pPr lvl="0" indent="0" marL="0">
-              <a:buNone/>
-            </a:pPr>
-            <a:r>
-              <a:rPr/>
-              <a:t>Today we learn Ricardian model of trade (aka comparative advantage) so:</a:t>
-            </a:r>
-          </a:p>
-          <a:p>
-            <a:pPr lvl="0"/>
-            <a:r>
-              <a:rPr/>
-              <a:t>you can explain how the model works</a:t>
-            </a:r>
-          </a:p>
-          <a:p>
-            <a:pPr lvl="0"/>
-            <a:r>
-              <a:rPr/>
-              <a:t>show where gains from trade come from</a:t>
-            </a:r>
-          </a:p>
-        </p:txBody>
-      </p:sp>
-    </p:spTree>
-  </p:cSld>
-</p:sld>
-</file>
-
-<file path=ppt/slides/slide30.xml><?xml version="1.0" encoding="utf-8"?>
-<p:sld xmlns:a="http://schemas.openxmlformats.org/drawingml/2006/main" xmlns:r="http://schemas.openxmlformats.org/officeDocument/2006/relationships" xmlns:p="http://schemas.openxmlformats.org/presentationml/2006/main">
-  <p:cSld>
-    <p:spTree>
-      <p:nvGrpSpPr>
-        <p:cNvPr id="1" name=""/>
-        <p:cNvGrpSpPr/>
-        <p:nvPr/>
-      </p:nvGrpSpPr>
-      <p:grpSpPr>
-        <a:xfrm>
-          <a:off x="0" y="0"/>
-          <a:ext cx="0" cy="0"/>
-          <a:chOff x="0" y="0"/>
-          <a:chExt cx="0" cy="0"/>
-        </a:xfrm>
-      </p:grpSpPr>
-      <p:sp>
-        <p:nvSpPr>
-          <p:cNvPr id="2" name="Title 1"/>
-          <p:cNvSpPr>
-            <a:spLocks noGrp="1"/>
-          </p:cNvSpPr>
-          <p:nvPr>
-            <p:ph type="title"/>
-          </p:nvPr>
-        </p:nvSpPr>
-        <p:spPr/>
-        <p:txBody>
-          <a:bodyPr/>
-          <a:lstStyle/>
-          <a:p>
-            <a:pPr lvl="0" indent="0" marL="0">
-              <a:buNone/>
-            </a:pPr>
-            <a:r>
-              <a:rPr/>
-              <a:t>Gains from trade</a:t>
-            </a:r>
-          </a:p>
-        </p:txBody>
-      </p:sp>
-      <p:sp>
-        <p:nvSpPr>
-          <p:cNvPr id="3" name="Content Placeholder 2"/>
-          <p:cNvSpPr>
-            <a:spLocks noGrp="1"/>
-          </p:cNvSpPr>
-          <p:nvPr>
-            <p:ph idx="1"/>
-          </p:nvPr>
-        </p:nvSpPr>
-        <p:spPr/>
-        <p:txBody>
-          <a:bodyPr/>
-          <a:lstStyle/>
-          <a:p>
-            <a:pPr lvl="0"/>
-            <a:r>
-              <a:rPr/>
-              <a:t>Gains from trade come from specializing in the type of production that uses resources most efficiently, and using the income generated from that production to buy the goods and services that countries desire.</a:t>
-            </a:r>
-          </a:p>
-          <a:p>
-            <a:pPr lvl="0"/>
-            <a:r>
-              <a:rPr/>
-              <a:t>“Using resources most efficiently” means producing a good in which a country has a comparative advantage.</a:t>
-            </a:r>
-          </a:p>
-          <a:p>
-            <a:pPr lvl="0"/>
-            <a:r>
-              <a:rPr/>
-              <a:t>Without trade, a country must allocate resources to produce all goods it wants to consume.</a:t>
-            </a:r>
-          </a:p>
-          <a:p>
-            <a:pPr lvl="0"/>
-            <a:r>
-              <a:rPr/>
-              <a:t>I can get more food by being an economist rather than cultivating my own land. Same principle.</a:t>
-            </a:r>
-          </a:p>
-        </p:txBody>
-      </p:sp>
-    </p:spTree>
-  </p:cSld>
-</p:sld>
-</file>
-
 <file path=ppt/slides/slide31.xml><?xml version="1.0" encoding="utf-8"?>
 <p:sld xmlns:a="http://schemas.openxmlformats.org/drawingml/2006/main" xmlns:r="http://schemas.openxmlformats.org/officeDocument/2006/relationships" xmlns:p="http://schemas.openxmlformats.org/presentationml/2006/main">
   <p:cSld>
@@ -8688,21 +9116,28 @@
             <a:pPr lvl="0"/>
             <a:r>
               <a:rPr/>
-              <a:t>Domestic workers earn a higher income from cheese production because the relative price of cheese increases with trade.</a:t>
+              <a:t>Gains from trade come from specializing in the type of production that uses resources most efficiently, and using the income generated from that production to buy the goods and services that countries desire.</a:t>
             </a:r>
           </a:p>
           <a:p>
             <a:pPr lvl="0"/>
             <a:r>
               <a:rPr/>
-              <a:t>Foreign workers earn a higher income from wine production because the relative price of cheese decreases with trade (making cheese cheaper), and the relative price of wine increases with trade.</a:t>
+              <a:t>“Using resources most efficiently” means producing a good in which a country has a comparative advantage.</a:t>
             </a:r>
           </a:p>
           <a:p>
             <a:pPr lvl="0"/>
             <a:r>
               <a:rPr/>
-              <a:t>This is how both countries ended-up able to reach an otherwise unfeasible consumption bundle.</a:t>
+              <a:t>Without trade, a country must allocate resources to produce all goods it wants to consume.</a:t>
+            </a:r>
+          </a:p>
+          <a:p>
+            <a:pPr lvl="0"/>
+            <a:r>
+              <a:rPr/>
+              <a:t>I can get more food by being an economist rather than cultivating my own land. Same principle.</a:t>
             </a:r>
           </a:p>
         </p:txBody>
@@ -8713,6 +9148,90 @@
 </file>
 
 <file path=ppt/slides/slide32.xml><?xml version="1.0" encoding="utf-8"?>
+<p:sld xmlns:a="http://schemas.openxmlformats.org/drawingml/2006/main" xmlns:r="http://schemas.openxmlformats.org/officeDocument/2006/relationships" xmlns:p="http://schemas.openxmlformats.org/presentationml/2006/main">
+  <p:cSld>
+    <p:spTree>
+      <p:nvGrpSpPr>
+        <p:cNvPr id="1" name=""/>
+        <p:cNvGrpSpPr/>
+        <p:nvPr/>
+      </p:nvGrpSpPr>
+      <p:grpSpPr>
+        <a:xfrm>
+          <a:off x="0" y="0"/>
+          <a:ext cx="0" cy="0"/>
+          <a:chOff x="0" y="0"/>
+          <a:chExt cx="0" cy="0"/>
+        </a:xfrm>
+      </p:grpSpPr>
+      <p:sp>
+        <p:nvSpPr>
+          <p:cNvPr id="2" name="Title 1"/>
+          <p:cNvSpPr>
+            <a:spLocks noGrp="1"/>
+          </p:cNvSpPr>
+          <p:nvPr>
+            <p:ph type="title"/>
+          </p:nvPr>
+        </p:nvSpPr>
+        <p:spPr/>
+        <p:txBody>
+          <a:bodyPr/>
+          <a:lstStyle/>
+          <a:p>
+            <a:pPr lvl="0" indent="0" marL="0">
+              <a:buNone/>
+            </a:pPr>
+            <a:r>
+              <a:rPr/>
+              <a:t>Gains from trade</a:t>
+            </a:r>
+          </a:p>
+        </p:txBody>
+      </p:sp>
+      <p:sp>
+        <p:nvSpPr>
+          <p:cNvPr id="3" name="Content Placeholder 2"/>
+          <p:cNvSpPr>
+            <a:spLocks noGrp="1"/>
+          </p:cNvSpPr>
+          <p:nvPr>
+            <p:ph idx="1"/>
+          </p:nvPr>
+        </p:nvSpPr>
+        <p:spPr/>
+        <p:txBody>
+          <a:bodyPr/>
+          <a:lstStyle/>
+          <a:p>
+            <a:pPr lvl="0"/>
+            <a:r>
+              <a:rPr/>
+              <a:t>Domestic workers earn a higher income from food production because the relative price of food increases with trade.</a:t>
+            </a:r>
+          </a:p>
+          <a:p>
+            <a:pPr lvl="0"/>
+            <a:r>
+              <a:rPr/>
+              <a:t>Foreign workers earn a higher income from cloth production because the relative price of food decreases with trade (making food cheaper), and the relative price of cloth increases with trade.</a:t>
+            </a:r>
+          </a:p>
+          <a:p>
+            <a:pPr lvl="0"/>
+            <a:r>
+              <a:rPr/>
+              <a:t>This is how both countries ended-up able to reach an otherwise unfeasible consumption bundle.</a:t>
+            </a:r>
+          </a:p>
+        </p:txBody>
+      </p:sp>
+    </p:spTree>
+  </p:cSld>
+</p:sld>
+</file>
+
+<file path=ppt/slides/slide33.xml><?xml version="1.0" encoding="utf-8"?>
 <p:sld xmlns:a="http://schemas.openxmlformats.org/drawingml/2006/main" xmlns:r="http://schemas.openxmlformats.org/officeDocument/2006/relationships" xmlns:p="http://schemas.openxmlformats.org/presentationml/2006/main">
   <p:cSld>
     <p:spTree>
@@ -9048,7 +9567,7 @@
 </p:sld>
 </file>
 
-<file path=ppt/slides/slide33.xml><?xml version="1.0" encoding="utf-8"?>
+<file path=ppt/slides/slide34.xml><?xml version="1.0" encoding="utf-8"?>
 <p:sld xmlns:a="http://schemas.openxmlformats.org/drawingml/2006/main" xmlns:r="http://schemas.openxmlformats.org/officeDocument/2006/relationships" xmlns:p="http://schemas.openxmlformats.org/presentationml/2006/main">
   <p:cSld>
     <p:spTree>
@@ -9270,104 +9789,6 @@
 </p:sld>
 </file>
 
-<file path=ppt/slides/slide34.xml><?xml version="1.0" encoding="utf-8"?>
-<p:sld xmlns:a="http://schemas.openxmlformats.org/drawingml/2006/main" xmlns:r="http://schemas.openxmlformats.org/officeDocument/2006/relationships" xmlns:p="http://schemas.openxmlformats.org/presentationml/2006/main">
-  <p:cSld>
-    <p:spTree>
-      <p:nvGrpSpPr>
-        <p:cNvPr id="1" name=""/>
-        <p:cNvGrpSpPr/>
-        <p:nvPr/>
-      </p:nvGrpSpPr>
-      <p:grpSpPr>
-        <a:xfrm>
-          <a:off x="0" y="0"/>
-          <a:ext cx="0" cy="0"/>
-          <a:chOff x="0" y="0"/>
-          <a:chExt cx="0" cy="0"/>
-        </a:xfrm>
-      </p:grpSpPr>
-      <p:sp>
-        <p:nvSpPr>
-          <p:cNvPr id="2" name="Title 1"/>
-          <p:cNvSpPr>
-            <a:spLocks noGrp="1"/>
-          </p:cNvSpPr>
-          <p:nvPr>
-            <p:ph type="title"/>
-          </p:nvPr>
-        </p:nvSpPr>
-        <p:spPr/>
-        <p:txBody>
-          <a:bodyPr/>
-          <a:lstStyle/>
-          <a:p>
-            <a:pPr lvl="0" indent="0" marL="0">
-              <a:buNone/>
-            </a:pPr>
-            <a:r>
-              <a:rPr/>
-              <a:t>Relative wage</a:t>
-            </a:r>
-          </a:p>
-        </p:txBody>
-      </p:sp>
-      <p:sp>
-        <p:nvSpPr>
-          <p:cNvPr id="3" name="Content Placeholder 2"/>
-          <p:cNvSpPr>
-            <a:spLocks noGrp="1"/>
-          </p:cNvSpPr>
-          <p:nvPr>
-            <p:ph idx="1"/>
-          </p:nvPr>
-        </p:nvSpPr>
-        <p:spPr/>
-        <p:txBody>
-          <a:bodyPr/>
-          <a:lstStyle/>
-          <a:p>
-            <a:pPr lvl="0"/>
-            <a:r>
-              <a:rPr/>
-              <a:t>These relationship implies both countries have a cost advantage in production:</a:t>
-            </a:r>
-          </a:p>
-          <a:p>
-            <a:pPr lvl="1"/>
-            <a:r>
-              <a:rPr/>
-              <a:t>High wages can be offset by high productivity</a:t>
-            </a:r>
-          </a:p>
-          <a:p>
-            <a:pPr lvl="1"/>
-            <a:r>
-              <a:rPr/>
-              <a:t>low productivity can be offset by low wages</a:t>
-            </a:r>
-          </a:p>
-          <a:p>
-            <a:pPr lvl="0"/>
-            <a:r>
-              <a:rPr/>
-              <a:t>In Home, producing 1 kg of food costs $12 (1 worker paid $12/hr), but would have cost $24 in Foreign (6 workers paid $4/hr).</a:t>
-            </a:r>
-          </a:p>
-          <a:p>
-            <a:pPr lvl="0"/>
-            <a:r>
-              <a:rPr/>
-              <a:t>In Foreign, producing 1 m of cloth costs $12 (3 workers paid $4/hr), but would have cost $24 in Home (2 paid $12/hr).</a:t>
-            </a:r>
-          </a:p>
-        </p:txBody>
-      </p:sp>
-    </p:spTree>
-  </p:cSld>
-</p:sld>
-</file>
-
 <file path=ppt/slides/slide35.xml><?xml version="1.0" encoding="utf-8"?>
 <p:sld xmlns:a="http://schemas.openxmlformats.org/drawingml/2006/main" xmlns:r="http://schemas.openxmlformats.org/officeDocument/2006/relationships" xmlns:p="http://schemas.openxmlformats.org/presentationml/2006/main">
   <p:cSld>
@@ -9405,7 +9826,7 @@
             </a:pPr>
             <a:r>
               <a:rPr/>
-              <a:t>Misconceptions</a:t>
+              <a:t>Relative wage</a:t>
             </a:r>
           </a:p>
         </p:txBody>
@@ -9425,26 +9846,38 @@
           <a:bodyPr/>
           <a:lstStyle/>
           <a:p>
-            <a:pPr lvl="0" indent="-342900" marL="342900">
-              <a:buAutoNum type="arabicPeriod"/>
-            </a:pPr>
+            <a:pPr lvl="0"/>
             <a:r>
               <a:rPr/>
-              <a:t>Free trade is beneficial only if a country is more productive than foreign countries.</a:t>
+              <a:t>These relationship implies both countries have a cost advantage in production:</a:t>
             </a:r>
           </a:p>
           <a:p>
             <a:pPr lvl="1"/>
             <a:r>
               <a:rPr/>
-              <a:t>But even an unproductive country benefits from free trade by avoiding the high costs for goods that it would otherwise have to prouce domestically</a:t>
+              <a:t>High wages can be offset by high productivity</a:t>
             </a:r>
           </a:p>
           <a:p>
             <a:pPr lvl="1"/>
             <a:r>
               <a:rPr/>
-              <a:t>Free trade benefits come from comparative advantage, not absolute advantage.</a:t>
+              <a:t>low productivity can be offset by low wages</a:t>
+            </a:r>
+          </a:p>
+          <a:p>
+            <a:pPr lvl="0"/>
+            <a:r>
+              <a:rPr/>
+              <a:t>In Home, producing 1 kg of food costs $12 (1 worker paid $12/hr), but would have cost $24 in Foreign (6 workers paid $4/hr).</a:t>
+            </a:r>
+          </a:p>
+          <a:p>
+            <a:pPr lvl="0"/>
+            <a:r>
+              <a:rPr/>
+              <a:t>In Foreign, producing 1 m of cloth costs $12 (3 workers paid $4/hr), but would have cost $24 in Home (2 paid $12/hr).</a:t>
             </a:r>
           </a:p>
         </p:txBody>
@@ -9491,7 +9924,7 @@
             </a:pPr>
             <a:r>
               <a:rPr/>
-              <a:t>Misconseptions</a:t>
+              <a:t>Misconceptions</a:t>
             </a:r>
           </a:p>
         </p:txBody>
@@ -9512,32 +9945,25 @@
           <a:lstStyle/>
           <a:p>
             <a:pPr lvl="0" indent="-342900" marL="342900">
-              <a:buAutoNum startAt="2" type="arabicPeriod"/>
+              <a:buAutoNum type="arabicPeriod"/>
             </a:pPr>
             <a:r>
               <a:rPr/>
-              <a:t>Free trade with countries that pay low wages hurts high-wage countries.</a:t>
-            </a:r>
-          </a:p>
-          <a:p>
-            <a:pPr lvl="0"/>
+              <a:t>Free trade is beneficial only if a country is more productive than foreign countries.</a:t>
+            </a:r>
+          </a:p>
+          <a:p>
+            <a:pPr lvl="1"/>
             <a:r>
               <a:rPr/>
-              <a:t>While trade may reduce wages for some workers, thereby affecting the distribution of income within a country, trade benefits consumers and other workers.</a:t>
-            </a:r>
-          </a:p>
-          <a:p>
-            <a:pPr lvl="0"/>
+              <a:t>But even an unproductive country benefits from free trade by avoiding the high costs for goods that it would otherwise have to prouce domestically</a:t>
+            </a:r>
+          </a:p>
+          <a:p>
+            <a:pPr lvl="1"/>
             <a:r>
               <a:rPr/>
-              <a:t>Consumers benefit because they can purchase goods more cheaply.</a:t>
-            </a:r>
-          </a:p>
-          <a:p>
-            <a:pPr lvl="0"/>
-            <a:r>
-              <a:rPr/>
-              <a:t>Producers/workers benefit by earning a higher income in the industries that use resources more efficiently, allowing them to earn higher prices and wages.</a:t>
+              <a:t>Free trade benefits come from comparative advantage, not absolute advantage.</a:t>
             </a:r>
           </a:p>
         </p:txBody>
@@ -9584,7 +10010,7 @@
             </a:pPr>
             <a:r>
               <a:rPr/>
-              <a:t>Misconceptions</a:t>
+              <a:t>Misconseptions</a:t>
             </a:r>
           </a:p>
         </p:txBody>
@@ -9605,39 +10031,32 @@
           <a:lstStyle/>
           <a:p>
             <a:pPr lvl="0" indent="-342900" marL="342900">
-              <a:buAutoNum startAt="3" type="arabicPeriod"/>
+              <a:buAutoNum startAt="2" type="arabicPeriod"/>
             </a:pPr>
             <a:r>
               <a:rPr/>
-              <a:t>Free trade exploits less productive countries whose workers make low wages.</a:t>
+              <a:t>Free trade with countries that pay low wages hurts high-wage countries.</a:t>
             </a:r>
           </a:p>
           <a:p>
             <a:pPr lvl="0"/>
             <a:r>
               <a:rPr/>
-              <a:t>While labor standards in some countries are less than exemplary compared to Western standards, they are so with or without trade.</a:t>
+              <a:t>While trade may reduce wages for some workers, thereby affecting the distribution of income within a country, trade benefits consumers and other workers.</a:t>
             </a:r>
           </a:p>
           <a:p>
             <a:pPr lvl="0"/>
             <a:r>
               <a:rPr/>
-              <a:t>Are high wages and safe labor practices alternatives to trade? Deeper poverty and exploitation may result without export production.</a:t>
+              <a:t>Consumers benefit because they can purchase goods more cheaply.</a:t>
             </a:r>
           </a:p>
           <a:p>
             <a:pPr lvl="0"/>
             <a:r>
               <a:rPr/>
-              <a:t>Consumers benefit from free trade by having access to cheaply (efficiently) produced goods.</a:t>
-            </a:r>
-          </a:p>
-          <a:p>
-            <a:pPr lvl="0"/>
-            <a:r>
-              <a:rPr/>
-              <a:t>Producers/workers benefit from having higher profits/wages—higher compared to the alternative.</a:t>
+              <a:t>Producers/workers benefit by earning a higher income in the industries that use resources more efficiently, allowing them to earn higher prices and wages.</a:t>
             </a:r>
           </a:p>
         </p:txBody>
@@ -9684,7 +10103,7 @@
             </a:pPr>
             <a:r>
               <a:rPr/>
-              <a:t>What determines comparative advantage?</a:t>
+              <a:t>Misconceptions</a:t>
             </a:r>
           </a:p>
         </p:txBody>
@@ -9705,41 +10124,39 @@
           <a:lstStyle/>
           <a:p>
             <a:pPr lvl="0" indent="-342900" marL="342900">
-              <a:buAutoNum type="arabicPeriod"/>
+              <a:buAutoNum startAt="3" type="arabicPeriod"/>
             </a:pPr>
             <a:r>
-              <a:rPr b="1"/>
-              <a:t>Differences in climate</a:t>
-            </a:r>
-            <a:r>
               <a:rPr/>
-              <a:t> is the reason why we’re so good at producing CPO and rubber, but sucks at producing soybean and wheat.</a:t>
-            </a:r>
-          </a:p>
-          <a:p>
-            <a:pPr lvl="0" indent="-342900" marL="342900">
-              <a:buAutoNum type="arabicPeriod"/>
-            </a:pPr>
-            <a:r>
-              <a:rPr b="1"/>
-              <a:t>Differences in Factor Endowment</a:t>
-            </a:r>
+              <a:t>Free trade exploits less productive countries whose workers make low wages.</a:t>
+            </a:r>
+          </a:p>
+          <a:p>
+            <a:pPr lvl="0"/>
             <a:r>
               <a:rPr/>
-              <a:t>. Some countries are endowed with natural resource, some with cheap labour. Countries which has no both has to find something else, such as:</a:t>
-            </a:r>
-          </a:p>
-          <a:p>
-            <a:pPr lvl="0" indent="-342900" marL="342900">
-              <a:buAutoNum type="arabicPeriod"/>
-            </a:pPr>
-            <a:r>
-              <a:rPr b="1"/>
-              <a:t>Differences in technology</a:t>
-            </a:r>
+              <a:t>While labor standards in some countries are less than exemplary compared to Western standards, they are so with or without trade.</a:t>
+            </a:r>
+          </a:p>
+          <a:p>
+            <a:pPr lvl="0"/>
             <a:r>
               <a:rPr/>
-              <a:t>. Japan, South Korea and Taiwan are one good example. While technology can be transferred, opportunity cost of investing in high-tech things is more production of CPOs.</a:t>
+              <a:t>Are high wages and safe labor practices alternatives to trade? Deeper poverty and exploitation may result without export production.</a:t>
+            </a:r>
+          </a:p>
+          <a:p>
+            <a:pPr lvl="0"/>
+            <a:r>
+              <a:rPr/>
+              <a:t>Consumers benefit from free trade by having access to cheaply (efficiently) produced goods.</a:t>
+            </a:r>
+          </a:p>
+          <a:p>
+            <a:pPr lvl="0"/>
+            <a:r>
+              <a:rPr/>
+              <a:t>Producers/workers benefit from having higher profits/wages—higher compared to the alternative.</a:t>
             </a:r>
           </a:p>
         </p:txBody>
@@ -9786,7 +10203,7 @@
             </a:pPr>
             <a:r>
               <a:rPr/>
-              <a:t>What prevents specialisation?</a:t>
+              <a:t>What determines comparative advantage?</a:t>
             </a:r>
           </a:p>
         </p:txBody>
@@ -9806,74 +10223,42 @@
           <a:bodyPr/>
           <a:lstStyle/>
           <a:p>
-            <a:pPr lvl="0"/>
+            <a:pPr lvl="0" indent="-342900" marL="342900">
+              <a:buAutoNum type="arabicPeriod"/>
+            </a:pPr>
+            <a:r>
+              <a:rPr b="1"/>
+              <a:t>Differences in climate</a:t>
+            </a:r>
             <a:r>
               <a:rPr/>
-              <a:t>More than 1 factors</a:t>
-            </a:r>
-          </a:p>
-          <a:p>
-            <a:pPr lvl="0"/>
+              <a:t> is the reason why we’re so good at producing CPO and rubber, but sucks at producing soybean and wheat.</a:t>
+            </a:r>
+          </a:p>
+          <a:p>
+            <a:pPr lvl="0" indent="-342900" marL="342900">
+              <a:buAutoNum type="arabicPeriod"/>
+            </a:pPr>
+            <a:r>
+              <a:rPr b="1"/>
+              <a:t>Differences in Factor Endowment</a:t>
+            </a:r>
             <a:r>
               <a:rPr/>
-              <a:t>Protectionisms.</a:t>
-            </a:r>
-          </a:p>
-          <a:p>
-            <a:pPr lvl="1"/>
+              <a:t>. Some countries are endowed with natural resource, some with cheap labour. Countries which has no both has to find something else, such as:</a:t>
+            </a:r>
+          </a:p>
+          <a:p>
+            <a:pPr lvl="0" indent="-342900" marL="342900">
+              <a:buAutoNum type="arabicPeriod"/>
+            </a:pPr>
+            <a:r>
+              <a:rPr b="1"/>
+              <a:t>Differences in technology</a:t>
+            </a:r>
             <a:r>
               <a:rPr/>
-              <a:t>more on this later.</a:t>
-            </a:r>
-          </a:p>
-          <a:p>
-            <a:pPr lvl="0"/>
-            <a:r>
-              <a:rPr/>
-              <a:t>Transportation cost.</a:t>
-            </a:r>
-          </a:p>
-          <a:p>
-            <a:pPr lvl="1"/>
-            <a:r>
-              <a:rPr/>
-              <a:t>Some places are inherently difficult to reach.</a:t>
-            </a:r>
-          </a:p>
-          <a:p>
-            <a:pPr lvl="1"/>
-            <a:r>
-              <a:rPr/>
-              <a:t>Some goods are harder to move.</a:t>
-            </a:r>
-          </a:p>
-          <a:p>
-            <a:pPr lvl="0"/>
-            <a:r>
-              <a:rPr/>
-              <a:t>at the extreme, a good can be </a:t>
-            </a:r>
-            <a:r>
-              <a:rPr b="1"/>
-              <a:t>nontradable good</a:t>
-            </a:r>
-            <a:r>
-              <a:rPr/>
-              <a:t>.</a:t>
-            </a:r>
-          </a:p>
-          <a:p>
-            <a:pPr lvl="1"/>
-            <a:r>
-              <a:rPr/>
-              <a:t>most services are like this.</a:t>
-            </a:r>
-          </a:p>
-          <a:p>
-            <a:pPr lvl="1"/>
-            <a:r>
-              <a:rPr/>
-              <a:t>Typical country has plenty of nontradables.</a:t>
+              <a:t>. Japan, South Korea and Taiwan are one good example. While technology can be transferred, opportunity cost of investing in high-tech things is more production of CPOs.</a:t>
             </a:r>
           </a:p>
         </p:txBody>
@@ -10020,35 +10405,71 @@
             <a:pPr lvl="0"/>
             <a:r>
               <a:rPr/>
-              <a:t>Ricardian model: 1 very mobile factor of production.</a:t>
+              <a:t>More than 1 factors</a:t>
             </a:r>
           </a:p>
           <a:p>
             <a:pPr lvl="0"/>
             <a:r>
               <a:rPr/>
-              <a:t>In reality, trade matters in distribution of income.</a:t>
+              <a:t>Protectionisms.</a:t>
             </a:r>
           </a:p>
           <a:p>
             <a:pPr lvl="1"/>
             <a:r>
               <a:rPr/>
-              <a:t>short-run: moving factors are costly.</a:t>
+              <a:t>more on this later.</a:t>
+            </a:r>
+          </a:p>
+          <a:p>
+            <a:pPr lvl="0"/>
+            <a:r>
+              <a:rPr/>
+              <a:t>Transportation cost.</a:t>
             </a:r>
           </a:p>
           <a:p>
             <a:pPr lvl="1"/>
             <a:r>
               <a:rPr/>
-              <a:t>long-run: shift in factor demand.</a:t>
+              <a:t>Some places are inherently difficult to reach.</a:t>
+            </a:r>
+          </a:p>
+          <a:p>
+            <a:pPr lvl="1"/>
+            <a:r>
+              <a:rPr/>
+              <a:t>Some goods are harder to move.</a:t>
             </a:r>
           </a:p>
           <a:p>
             <a:pPr lvl="0"/>
             <a:r>
               <a:rPr/>
-              <a:t>Factor owners (land, labor, capital, etc) receive different gains from trade!</a:t>
+              <a:t>at the extreme, a good can be </a:t>
+            </a:r>
+            <a:r>
+              <a:rPr b="1"/>
+              <a:t>nontradable good</a:t>
+            </a:r>
+            <a:r>
+              <a:rPr/>
+              <a:t>.</a:t>
+            </a:r>
+          </a:p>
+          <a:p>
+            <a:pPr lvl="1"/>
+            <a:r>
+              <a:rPr/>
+              <a:t>most services are like this.</a:t>
+            </a:r>
+          </a:p>
+          <a:p>
+            <a:pPr lvl="1"/>
+            <a:r>
+              <a:rPr/>
+              <a:t>Typical country has plenty of nontradables.</a:t>
             </a:r>
           </a:p>
         </p:txBody>
@@ -10095,7 +10516,7 @@
             </a:pPr>
             <a:r>
               <a:rPr/>
-              <a:t>Summary</a:t>
+              <a:t>What prevents specialisation?</a:t>
             </a:r>
           </a:p>
         </p:txBody>
@@ -10115,30 +10536,38 @@
           <a:bodyPr/>
           <a:lstStyle/>
           <a:p>
-            <a:pPr lvl="0" indent="-342900" marL="342900">
-              <a:buAutoNum type="arabicPeriod"/>
-            </a:pPr>
+            <a:pPr lvl="0"/>
             <a:r>
               <a:rPr/>
-              <a:t>Differences in labor productivity across countries generate comparative advantage</a:t>
-            </a:r>
-          </a:p>
-          <a:p>
-            <a:pPr lvl="0" indent="-342900" marL="342900">
-              <a:buAutoNum type="arabicPeriod"/>
-            </a:pPr>
+              <a:t>Ricardian model: 1 very mobile factor of production.</a:t>
+            </a:r>
+          </a:p>
+          <a:p>
+            <a:pPr lvl="0"/>
             <a:r>
               <a:rPr/>
-              <a:t>A country has a comparative advantage in producing a good when its opportunity cost of producing that good is lower than other countries.</a:t>
-            </a:r>
-          </a:p>
-          <a:p>
-            <a:pPr lvl="0" indent="-342900" marL="342900">
-              <a:buAutoNum type="arabicPeriod"/>
-            </a:pPr>
+              <a:t>In reality, trade matters in distribution of income.</a:t>
+            </a:r>
+          </a:p>
+          <a:p>
+            <a:pPr lvl="1"/>
             <a:r>
               <a:rPr/>
-              <a:t>Countries export goods in which they have a comparative advantage—high productivity or low wages give countries a cost advantage.</a:t>
+              <a:t>short-run: moving factors are costly.</a:t>
+            </a:r>
+          </a:p>
+          <a:p>
+            <a:pPr lvl="1"/>
+            <a:r>
+              <a:rPr/>
+              <a:t>long-run: shift in factor demand.</a:t>
+            </a:r>
+          </a:p>
+          <a:p>
+            <a:pPr lvl="0"/>
+            <a:r>
+              <a:rPr/>
+              <a:t>Factor owners (land, labor, capital, etc) receive different gains from trade!</a:t>
             </a:r>
           </a:p>
         </p:txBody>
@@ -10206,29 +10635,29 @@
           <a:lstStyle/>
           <a:p>
             <a:pPr lvl="0" indent="-342900" marL="342900">
-              <a:buAutoNum startAt="4" type="arabicPeriod"/>
+              <a:buAutoNum type="arabicPeriod"/>
             </a:pPr>
             <a:r>
               <a:rPr/>
-              <a:t>With trade, the relative price settles in between what the relative prices were in each country before trade.</a:t>
+              <a:t>Differences in labor productivity across countries generate comparative advantage</a:t>
             </a:r>
           </a:p>
           <a:p>
             <a:pPr lvl="0" indent="-342900" marL="342900">
-              <a:buAutoNum startAt="4" type="arabicPeriod"/>
+              <a:buAutoNum type="arabicPeriod"/>
             </a:pPr>
             <a:r>
               <a:rPr/>
-              <a:t>Trade benefits all countries due to the relative price of the exported good rising: income for workers who produce exports rises, and imported goods become less expensive.</a:t>
+              <a:t>A country has a comparative advantage in producing a good when its opportunity cost of producing that good is lower than other countries.</a:t>
             </a:r>
           </a:p>
           <a:p>
             <a:pPr lvl="0" indent="-342900" marL="342900">
-              <a:buAutoNum startAt="4" type="arabicPeriod"/>
+              <a:buAutoNum type="arabicPeriod"/>
             </a:pPr>
             <a:r>
               <a:rPr/>
-              <a:t>Empirical evidence supports trade based on comparative advantage, although transportation costs and other factors prevent complete specialization in production.</a:t>
+              <a:t>Countries export goods in which they have a comparative advantage—high productivity or low wages give countries a cost advantage.</a:t>
             </a:r>
           </a:p>
         </p:txBody>
@@ -10239,6 +10668,96 @@
 </file>
 
 <file path=ppt/slides/slide43.xml><?xml version="1.0" encoding="utf-8"?>
+<p:sld xmlns:a="http://schemas.openxmlformats.org/drawingml/2006/main" xmlns:r="http://schemas.openxmlformats.org/officeDocument/2006/relationships" xmlns:p="http://schemas.openxmlformats.org/presentationml/2006/main">
+  <p:cSld>
+    <p:spTree>
+      <p:nvGrpSpPr>
+        <p:cNvPr id="1" name=""/>
+        <p:cNvGrpSpPr/>
+        <p:nvPr/>
+      </p:nvGrpSpPr>
+      <p:grpSpPr>
+        <a:xfrm>
+          <a:off x="0" y="0"/>
+          <a:ext cx="0" cy="0"/>
+          <a:chOff x="0" y="0"/>
+          <a:chExt cx="0" cy="0"/>
+        </a:xfrm>
+      </p:grpSpPr>
+      <p:sp>
+        <p:nvSpPr>
+          <p:cNvPr id="2" name="Title 1"/>
+          <p:cNvSpPr>
+            <a:spLocks noGrp="1"/>
+          </p:cNvSpPr>
+          <p:nvPr>
+            <p:ph type="title"/>
+          </p:nvPr>
+        </p:nvSpPr>
+        <p:spPr/>
+        <p:txBody>
+          <a:bodyPr/>
+          <a:lstStyle/>
+          <a:p>
+            <a:pPr lvl="0" indent="0" marL="0">
+              <a:buNone/>
+            </a:pPr>
+            <a:r>
+              <a:rPr/>
+              <a:t>Summary</a:t>
+            </a:r>
+          </a:p>
+        </p:txBody>
+      </p:sp>
+      <p:sp>
+        <p:nvSpPr>
+          <p:cNvPr id="3" name="Content Placeholder 2"/>
+          <p:cNvSpPr>
+            <a:spLocks noGrp="1"/>
+          </p:cNvSpPr>
+          <p:nvPr>
+            <p:ph idx="1"/>
+          </p:nvPr>
+        </p:nvSpPr>
+        <p:spPr/>
+        <p:txBody>
+          <a:bodyPr/>
+          <a:lstStyle/>
+          <a:p>
+            <a:pPr lvl="0" indent="-342900" marL="342900">
+              <a:buAutoNum startAt="4" type="arabicPeriod"/>
+            </a:pPr>
+            <a:r>
+              <a:rPr/>
+              <a:t>With trade, the relative price settles in between what the relative prices were in each country before trade.</a:t>
+            </a:r>
+          </a:p>
+          <a:p>
+            <a:pPr lvl="0" indent="-342900" marL="342900">
+              <a:buAutoNum startAt="4" type="arabicPeriod"/>
+            </a:pPr>
+            <a:r>
+              <a:rPr/>
+              <a:t>Trade benefits all countries due to the relative price of the exported good rising: income for workers who produce exports rises, and imported goods become less expensive.</a:t>
+            </a:r>
+          </a:p>
+          <a:p>
+            <a:pPr lvl="0" indent="-342900" marL="342900">
+              <a:buAutoNum startAt="4" type="arabicPeriod"/>
+            </a:pPr>
+            <a:r>
+              <a:rPr/>
+              <a:t>Empirical evidence supports trade based on comparative advantage, although transportation costs and other factors prevent complete specialization in production.</a:t>
+            </a:r>
+          </a:p>
+        </p:txBody>
+      </p:sp>
+    </p:spTree>
+  </p:cSld>
+</p:sld>
+</file>
+
+<file path=ppt/slides/slide44.xml><?xml version="1.0" encoding="utf-8"?>
 <p:sld xmlns:a="http://schemas.openxmlformats.org/drawingml/2006/main" xmlns:r="http://schemas.openxmlformats.org/officeDocument/2006/relationships" xmlns:p="http://schemas.openxmlformats.org/presentationml/2006/main">
   <p:cSld>
     <p:spTree>
